--- a/NEW KPU/KPU/DEM JEG KAN/Spørgsmål1design.pptx
+++ b/NEW KPU/KPU/DEM JEG KAN/Spørgsmål1design.pptx
@@ -622,7 +622,7 @@
           <a:p>
             <a:fld id="{D03082E7-391A-408A-AAC4-5DF720CD77DA}" type="datetimeFigureOut">
               <a:rPr lang="en-DK" smtClean="0"/>
-              <a:t>06/12/2020</a:t>
+              <a:t>17/08/2020</a:t>
             </a:fld>
             <a:endParaRPr lang="en-DK"/>
           </a:p>
@@ -676,7 +676,7 @@
           <a:p>
             <a:fld id="{96359FCE-E010-4BD4-BF8F-3903CF09423E}" type="slidenum">
               <a:rPr lang="en-DK" smtClean="0"/>
-              <a:t>‹nr.›</a:t>
+              <a:t>‹#›</a:t>
             </a:fld>
             <a:endParaRPr lang="en-DK"/>
           </a:p>
@@ -822,7 +822,7 @@
           <a:p>
             <a:fld id="{D03082E7-391A-408A-AAC4-5DF720CD77DA}" type="datetimeFigureOut">
               <a:rPr lang="en-DK" smtClean="0"/>
-              <a:t>06/12/2020</a:t>
+              <a:t>17/08/2020</a:t>
             </a:fld>
             <a:endParaRPr lang="en-DK"/>
           </a:p>
@@ -876,7 +876,7 @@
           <a:p>
             <a:fld id="{96359FCE-E010-4BD4-BF8F-3903CF09423E}" type="slidenum">
               <a:rPr lang="en-DK" smtClean="0"/>
-              <a:t>‹nr.›</a:t>
+              <a:t>‹#›</a:t>
             </a:fld>
             <a:endParaRPr lang="en-DK"/>
           </a:p>
@@ -1032,7 +1032,7 @@
           <a:p>
             <a:fld id="{D03082E7-391A-408A-AAC4-5DF720CD77DA}" type="datetimeFigureOut">
               <a:rPr lang="en-DK" smtClean="0"/>
-              <a:t>06/12/2020</a:t>
+              <a:t>17/08/2020</a:t>
             </a:fld>
             <a:endParaRPr lang="en-DK"/>
           </a:p>
@@ -1086,7 +1086,7 @@
           <a:p>
             <a:fld id="{96359FCE-E010-4BD4-BF8F-3903CF09423E}" type="slidenum">
               <a:rPr lang="en-DK" smtClean="0"/>
-              <a:t>‹nr.›</a:t>
+              <a:t>‹#›</a:t>
             </a:fld>
             <a:endParaRPr lang="en-DK"/>
           </a:p>
@@ -1232,7 +1232,7 @@
           <a:p>
             <a:fld id="{D03082E7-391A-408A-AAC4-5DF720CD77DA}" type="datetimeFigureOut">
               <a:rPr lang="en-DK" smtClean="0"/>
-              <a:t>06/12/2020</a:t>
+              <a:t>17/08/2020</a:t>
             </a:fld>
             <a:endParaRPr lang="en-DK"/>
           </a:p>
@@ -1286,7 +1286,7 @@
           <a:p>
             <a:fld id="{96359FCE-E010-4BD4-BF8F-3903CF09423E}" type="slidenum">
               <a:rPr lang="en-DK" smtClean="0"/>
-              <a:t>‹nr.›</a:t>
+              <a:t>‹#›</a:t>
             </a:fld>
             <a:endParaRPr lang="en-DK"/>
           </a:p>
@@ -1508,7 +1508,7 @@
           <a:p>
             <a:fld id="{D03082E7-391A-408A-AAC4-5DF720CD77DA}" type="datetimeFigureOut">
               <a:rPr lang="en-DK" smtClean="0"/>
-              <a:t>06/12/2020</a:t>
+              <a:t>17/08/2020</a:t>
             </a:fld>
             <a:endParaRPr lang="en-DK"/>
           </a:p>
@@ -1562,7 +1562,7 @@
           <a:p>
             <a:fld id="{96359FCE-E010-4BD4-BF8F-3903CF09423E}" type="slidenum">
               <a:rPr lang="en-DK" smtClean="0"/>
-              <a:t>‹nr.›</a:t>
+              <a:t>‹#›</a:t>
             </a:fld>
             <a:endParaRPr lang="en-DK"/>
           </a:p>
@@ -1776,7 +1776,7 @@
           <a:p>
             <a:fld id="{D03082E7-391A-408A-AAC4-5DF720CD77DA}" type="datetimeFigureOut">
               <a:rPr lang="en-DK" smtClean="0"/>
-              <a:t>06/12/2020</a:t>
+              <a:t>17/08/2020</a:t>
             </a:fld>
             <a:endParaRPr lang="en-DK"/>
           </a:p>
@@ -1830,7 +1830,7 @@
           <a:p>
             <a:fld id="{96359FCE-E010-4BD4-BF8F-3903CF09423E}" type="slidenum">
               <a:rPr lang="en-DK" smtClean="0"/>
-              <a:t>‹nr.›</a:t>
+              <a:t>‹#›</a:t>
             </a:fld>
             <a:endParaRPr lang="en-DK"/>
           </a:p>
@@ -2191,7 +2191,7 @@
           <a:p>
             <a:fld id="{D03082E7-391A-408A-AAC4-5DF720CD77DA}" type="datetimeFigureOut">
               <a:rPr lang="en-DK" smtClean="0"/>
-              <a:t>06/12/2020</a:t>
+              <a:t>17/08/2020</a:t>
             </a:fld>
             <a:endParaRPr lang="en-DK"/>
           </a:p>
@@ -2245,7 +2245,7 @@
           <a:p>
             <a:fld id="{96359FCE-E010-4BD4-BF8F-3903CF09423E}" type="slidenum">
               <a:rPr lang="en-DK" smtClean="0"/>
-              <a:t>‹nr.›</a:t>
+              <a:t>‹#›</a:t>
             </a:fld>
             <a:endParaRPr lang="en-DK"/>
           </a:p>
@@ -2333,7 +2333,7 @@
           <a:p>
             <a:fld id="{D03082E7-391A-408A-AAC4-5DF720CD77DA}" type="datetimeFigureOut">
               <a:rPr lang="en-DK" smtClean="0"/>
-              <a:t>06/12/2020</a:t>
+              <a:t>17/08/2020</a:t>
             </a:fld>
             <a:endParaRPr lang="en-DK"/>
           </a:p>
@@ -2387,7 +2387,7 @@
           <a:p>
             <a:fld id="{96359FCE-E010-4BD4-BF8F-3903CF09423E}" type="slidenum">
               <a:rPr lang="en-DK" smtClean="0"/>
-              <a:t>‹nr.›</a:t>
+              <a:t>‹#›</a:t>
             </a:fld>
             <a:endParaRPr lang="en-DK"/>
           </a:p>
@@ -2446,7 +2446,7 @@
           <a:p>
             <a:fld id="{D03082E7-391A-408A-AAC4-5DF720CD77DA}" type="datetimeFigureOut">
               <a:rPr lang="en-DK" smtClean="0"/>
-              <a:t>06/12/2020</a:t>
+              <a:t>17/08/2020</a:t>
             </a:fld>
             <a:endParaRPr lang="en-DK"/>
           </a:p>
@@ -2500,7 +2500,7 @@
           <a:p>
             <a:fld id="{96359FCE-E010-4BD4-BF8F-3903CF09423E}" type="slidenum">
               <a:rPr lang="en-DK" smtClean="0"/>
-              <a:t>‹nr.›</a:t>
+              <a:t>‹#›</a:t>
             </a:fld>
             <a:endParaRPr lang="en-DK"/>
           </a:p>
@@ -2759,7 +2759,7 @@
           <a:p>
             <a:fld id="{D03082E7-391A-408A-AAC4-5DF720CD77DA}" type="datetimeFigureOut">
               <a:rPr lang="en-DK" smtClean="0"/>
-              <a:t>06/12/2020</a:t>
+              <a:t>17/08/2020</a:t>
             </a:fld>
             <a:endParaRPr lang="en-DK"/>
           </a:p>
@@ -2813,7 +2813,7 @@
           <a:p>
             <a:fld id="{96359FCE-E010-4BD4-BF8F-3903CF09423E}" type="slidenum">
               <a:rPr lang="en-DK" smtClean="0"/>
-              <a:t>‹nr.›</a:t>
+              <a:t>‹#›</a:t>
             </a:fld>
             <a:endParaRPr lang="en-DK"/>
           </a:p>
@@ -3048,7 +3048,7 @@
           <a:p>
             <a:fld id="{D03082E7-391A-408A-AAC4-5DF720CD77DA}" type="datetimeFigureOut">
               <a:rPr lang="en-DK" smtClean="0"/>
-              <a:t>06/12/2020</a:t>
+              <a:t>17/08/2020</a:t>
             </a:fld>
             <a:endParaRPr lang="en-DK"/>
           </a:p>
@@ -3102,7 +3102,7 @@
           <a:p>
             <a:fld id="{96359FCE-E010-4BD4-BF8F-3903CF09423E}" type="slidenum">
               <a:rPr lang="en-DK" smtClean="0"/>
-              <a:t>‹nr.›</a:t>
+              <a:t>‹#›</a:t>
             </a:fld>
             <a:endParaRPr lang="en-DK"/>
           </a:p>
@@ -3291,7 +3291,7 @@
           <a:p>
             <a:fld id="{D03082E7-391A-408A-AAC4-5DF720CD77DA}" type="datetimeFigureOut">
               <a:rPr lang="en-DK" smtClean="0"/>
-              <a:t>06/12/2020</a:t>
+              <a:t>17/08/2020</a:t>
             </a:fld>
             <a:endParaRPr lang="en-DK"/>
           </a:p>
@@ -3381,7 +3381,7 @@
           <a:p>
             <a:fld id="{96359FCE-E010-4BD4-BF8F-3903CF09423E}" type="slidenum">
               <a:rPr lang="en-DK" smtClean="0"/>
-              <a:t>‹nr.›</a:t>
+              <a:t>‹#›</a:t>
             </a:fld>
             <a:endParaRPr lang="en-DK"/>
           </a:p>
@@ -6181,6 +6181,41 @@
           </a:p>
         </p:txBody>
       </p:sp>
+      <p:sp>
+        <p:nvSpPr>
+          <p:cNvPr id="3" name="TextBox 2">
+            <a:extLst>
+              <a:ext uri="{FF2B5EF4-FFF2-40B4-BE49-F238E27FC236}">
+                <a16:creationId xmlns:a16="http://schemas.microsoft.com/office/drawing/2014/main" id="{C76864CF-19AC-4641-8C04-49A31BB2ABF7}"/>
+              </a:ext>
+            </a:extLst>
+          </p:cNvPr>
+          <p:cNvSpPr txBox="1"/>
+          <p:nvPr/>
+        </p:nvSpPr>
+        <p:spPr>
+          <a:xfrm>
+            <a:off x="5436066" y="6367244"/>
+            <a:ext cx="3338818" cy="369332"/>
+          </a:xfrm>
+          <a:prstGeom prst="rect">
+            <a:avLst/>
+          </a:prstGeom>
+          <a:noFill/>
+        </p:spPr>
+        <p:txBody>
+          <a:bodyPr wrap="square" rtlCol="0">
+            <a:spAutoFit/>
+          </a:bodyPr>
+          <a:lstStyle/>
+          <a:p>
+            <a:r>
+              <a:rPr lang="da-DK" dirty="0"/>
+              <a:t>Kilde: Lektions slides</a:t>
+            </a:r>
+          </a:p>
+        </p:txBody>
+      </p:sp>
     </p:spTree>
     <p:extLst>
       <p:ext uri="{BB962C8B-B14F-4D97-AF65-F5344CB8AC3E}">
@@ -7915,6 +7950,41 @@
           </a:fontRef>
         </p:style>
       </p:cxnSp>
+      <p:sp>
+        <p:nvSpPr>
+          <p:cNvPr id="9" name="TextBox 8">
+            <a:extLst>
+              <a:ext uri="{FF2B5EF4-FFF2-40B4-BE49-F238E27FC236}">
+                <a16:creationId xmlns:a16="http://schemas.microsoft.com/office/drawing/2014/main" id="{B6E524E8-8FD8-4E7F-BEB9-E4BC39A234C6}"/>
+              </a:ext>
+            </a:extLst>
+          </p:cNvPr>
+          <p:cNvSpPr txBox="1"/>
+          <p:nvPr/>
+        </p:nvSpPr>
+        <p:spPr>
+          <a:xfrm>
+            <a:off x="8116418" y="3975845"/>
+            <a:ext cx="2071016" cy="369332"/>
+          </a:xfrm>
+          <a:prstGeom prst="rect">
+            <a:avLst/>
+          </a:prstGeom>
+          <a:noFill/>
+        </p:spPr>
+        <p:txBody>
+          <a:bodyPr wrap="none" rtlCol="0">
+            <a:spAutoFit/>
+          </a:bodyPr>
+          <a:lstStyle/>
+          <a:p>
+            <a:r>
+              <a:rPr lang="da-DK" dirty="0"/>
+              <a:t>Inspiration fra slides</a:t>
+            </a:r>
+          </a:p>
+        </p:txBody>
+      </p:sp>
     </p:spTree>
     <p:extLst>
       <p:ext uri="{BB962C8B-B14F-4D97-AF65-F5344CB8AC3E}">
@@ -9115,6 +9185,41 @@
           <a:p>
             <a:pPr algn="ctr"/>
             <a:endParaRPr lang="da-DK"/>
+          </a:p>
+        </p:txBody>
+      </p:sp>
+      <p:sp>
+        <p:nvSpPr>
+          <p:cNvPr id="7" name="TextBox 6">
+            <a:extLst>
+              <a:ext uri="{FF2B5EF4-FFF2-40B4-BE49-F238E27FC236}">
+                <a16:creationId xmlns:a16="http://schemas.microsoft.com/office/drawing/2014/main" id="{E2EDCF43-F7F1-4697-AF4B-DA05B16FB0EB}"/>
+              </a:ext>
+            </a:extLst>
+          </p:cNvPr>
+          <p:cNvSpPr txBox="1"/>
+          <p:nvPr/>
+        </p:nvSpPr>
+        <p:spPr>
+          <a:xfrm>
+            <a:off x="7555586" y="5703089"/>
+            <a:ext cx="2071016" cy="369332"/>
+          </a:xfrm>
+          <a:prstGeom prst="rect">
+            <a:avLst/>
+          </a:prstGeom>
+          <a:noFill/>
+        </p:spPr>
+        <p:txBody>
+          <a:bodyPr wrap="none" rtlCol="0">
+            <a:spAutoFit/>
+          </a:bodyPr>
+          <a:lstStyle/>
+          <a:p>
+            <a:r>
+              <a:rPr lang="da-DK" dirty="0"/>
+              <a:t>Inspiration fra slides</a:t>
+            </a:r>
           </a:p>
         </p:txBody>
       </p:sp>
